--- a/プレゼン用_kashiwagi.pptx
+++ b/プレゼン用_kashiwagi.pptx
@@ -202,7 +202,7 @@
                 <a:latin typeface="Meiryo UI" panose="020B0604030504040204" pitchFamily="50" charset="-128"/>
                 <a:ea typeface="Meiryo UI" panose="020B0604030504040204" pitchFamily="50" charset="-128"/>
               </a:rPr>
-              <a:t>2024/12/2</a:t>
+              <a:t>2024/12/4</a:t>
             </a:fld>
             <a:endParaRPr lang="ja-JP" dirty="0">
               <a:latin typeface="Meiryo UI" panose="020B0604030504040204" pitchFamily="50" charset="-128"/>
@@ -445,7 +445,7 @@
               <a:rPr lang="ja-JP" altLang="en-US" smtClean="0">
                 <a:ea typeface="Meiryo UI" panose="020B0604030504040204" pitchFamily="50" charset="-128"/>
               </a:rPr>
-              <a:t>2024/12/2</a:t>
+              <a:t>2024/12/4</a:t>
             </a:fld>
             <a:endParaRPr dirty="0">
               <a:ea typeface="Meiryo UI" panose="020B0604030504040204" pitchFamily="50" charset="-128"/>
@@ -11073,7 +11073,7 @@
             <a:pPr rtl="0"/>
             <a:r>
               <a:rPr lang="ja-JP" altLang="en-US" dirty="0"/>
-              <a:t>要は賞味期限を管理して</a:t>
+              <a:t>賞味期限を管理して</a:t>
             </a:r>
             <a:br>
               <a:rPr lang="en-US" altLang="ja-JP" dirty="0"/>
@@ -11344,7 +11344,7 @@
             </a:r>
             <a:r>
               <a:rPr lang="ja-JP" altLang="en-US" sz="2000" dirty="0"/>
-              <a:t>年入社</a:t>
+              <a:t>年入社（東富士配属）</a:t>
             </a:r>
             <a:br>
               <a:rPr lang="en-US" altLang="ja-JP" sz="2000" dirty="0"/>
@@ -11728,6 +11728,14 @@
             <a:r>
               <a:rPr lang="ja-JP" altLang="en-US" sz="2800" dirty="0"/>
               <a:t>ｓ観点からも良くないですよね。</a:t>
+            </a:r>
+            <a:endParaRPr lang="en-US" altLang="ja-JP" sz="2800" dirty="0"/>
+          </a:p>
+          <a:p>
+            <a:pPr rtl="0"/>
+            <a:r>
+              <a:rPr lang="ja-JP" altLang="en-US" sz="2800" dirty="0"/>
+              <a:t>業務のアプリと似た感じで作れるかも？</a:t>
             </a:r>
             <a:endParaRPr lang="ja-JP" sz="2800" dirty="0"/>
           </a:p>
@@ -12426,8 +12434,8 @@
         </p:nvSpPr>
         <p:spPr>
           <a:xfrm>
-            <a:off x="7859134" y="1391793"/>
-            <a:ext cx="4093029" cy="3108543"/>
+            <a:off x="7859134" y="1298662"/>
+            <a:ext cx="4093029" cy="3539430"/>
           </a:xfrm>
           <a:prstGeom prst="rect">
             <a:avLst/>
@@ -12530,6 +12538,21 @@
               </a:rPr>
               <a:t>・表示の保存と再読み込み</a:t>
             </a:r>
+            <a:endParaRPr kumimoji="1" lang="en-US" altLang="ja-JP" sz="2800" dirty="0">
+              <a:solidFill>
+                <a:schemeClr val="bg1"/>
+              </a:solidFill>
+            </a:endParaRPr>
+          </a:p>
+          <a:p>
+            <a:r>
+              <a:rPr kumimoji="1" lang="ja-JP" altLang="en-US" sz="2800" dirty="0">
+                <a:solidFill>
+                  <a:schemeClr val="bg1"/>
+                </a:solidFill>
+              </a:rPr>
+              <a:t>・賞味期限の通知</a:t>
+            </a:r>
           </a:p>
         </p:txBody>
       </p:sp>
@@ -12547,7 +12570,7 @@
         </p:nvSpPr>
         <p:spPr>
           <a:xfrm>
-            <a:off x="8842115" y="4648477"/>
+            <a:off x="8842115" y="4817814"/>
             <a:ext cx="484632" cy="374794"/>
           </a:xfrm>
           <a:prstGeom prst="downArrow">
@@ -12888,6 +12911,36 @@
           </a:p>
         </p:txBody>
       </p:sp>
+      <p:pic>
+        <p:nvPicPr>
+          <p:cNvPr id="5" name="図 4">
+            <a:extLst>
+              <a:ext uri="{FF2B5EF4-FFF2-40B4-BE49-F238E27FC236}">
+                <a16:creationId xmlns:a16="http://schemas.microsoft.com/office/drawing/2014/main" id="{1040BFA2-69AE-F841-7612-ED76007B7560}"/>
+              </a:ext>
+            </a:extLst>
+          </p:cNvPr>
+          <p:cNvPicPr>
+            <a:picLocks noChangeAspect="1"/>
+          </p:cNvPicPr>
+          <p:nvPr/>
+        </p:nvPicPr>
+        <p:blipFill>
+          <a:blip r:embed="rId3"/>
+          <a:stretch>
+            <a:fillRect/>
+          </a:stretch>
+        </p:blipFill>
+        <p:spPr>
+          <a:xfrm>
+            <a:off x="7841672" y="2800618"/>
+            <a:ext cx="3755968" cy="3755968"/>
+          </a:xfrm>
+          <a:prstGeom prst="rect">
+            <a:avLst/>
+          </a:prstGeom>
+        </p:spPr>
+      </p:pic>
     </p:spTree>
     <p:extLst>
       <p:ext uri="{BB962C8B-B14F-4D97-AF65-F5344CB8AC3E}">
